--- a/AI Mineral Discovery.pptx
+++ b/AI Mineral Discovery.pptx
@@ -14,24 +14,23 @@
     <p:sldId id="259" r:id="rId9"/>
     <p:sldId id="260" r:id="rId10"/>
     <p:sldId id="261" r:id="rId11"/>
-    <p:sldId id="262" r:id="rId12"/>
   </p:sldIdLst>
   <p:sldSz cy="5143500" cx="9144000"/>
   <p:notesSz cx="6858000" cy="9144000"/>
   <p:embeddedFontLst>
     <p:embeddedFont>
       <p:font typeface="Montserrat"/>
-      <p:regular r:id="rId13"/>
-      <p:bold r:id="rId14"/>
-      <p:italic r:id="rId15"/>
-      <p:boldItalic r:id="rId16"/>
+      <p:regular r:id="rId12"/>
+      <p:bold r:id="rId13"/>
+      <p:italic r:id="rId14"/>
+      <p:boldItalic r:id="rId15"/>
     </p:embeddedFont>
     <p:embeddedFont>
       <p:font typeface="Lato"/>
-      <p:regular r:id="rId17"/>
-      <p:bold r:id="rId18"/>
-      <p:italic r:id="rId19"/>
-      <p:boldItalic r:id="rId20"/>
+      <p:regular r:id="rId16"/>
+      <p:bold r:id="rId17"/>
+      <p:italic r:id="rId18"/>
+      <p:boldItalic r:id="rId19"/>
     </p:embeddedFont>
   </p:embeddedFontLst>
   <p:defaultTextStyle>
@@ -1258,105 +1257,6 @@
       <p:sp>
         <p:nvSpPr>
           <p:cNvPr id="167" name="Google Shape;167;g8bb4abf755_0_0:notes"/>
-          <p:cNvSpPr txBox="1"/>
-          <p:nvPr>
-            <p:ph idx="1" type="body"/>
-          </p:nvPr>
-        </p:nvSpPr>
-        <p:spPr>
-          <a:xfrm>
-            <a:off x="685800" y="4343400"/>
-            <a:ext cx="5486400" cy="4114800"/>
-          </a:xfrm>
-          <a:prstGeom prst="rect">
-            <a:avLst/>
-          </a:prstGeom>
-        </p:spPr>
-        <p:txBody>
-          <a:bodyPr anchorCtr="0" anchor="t" bIns="91425" lIns="91425" spcFirstLastPara="1" rIns="91425" wrap="square" tIns="91425">
-            <a:noAutofit/>
-          </a:bodyPr>
-          <a:lstStyle/>
-          <a:p>
-            <a:pPr indent="0" lvl="0" marL="0" rtl="0" algn="l">
-              <a:spcBef>
-                <a:spcPts val="0"/>
-              </a:spcBef>
-              <a:spcAft>
-                <a:spcPts val="0"/>
-              </a:spcAft>
-              <a:buNone/>
-            </a:pPr>
-            <a:r>
-              <a:t/>
-            </a:r>
-            <a:endParaRPr/>
-          </a:p>
-        </p:txBody>
-      </p:sp>
-    </p:spTree>
-  </p:cSld>
-  <p:clrMapOvr>
-    <a:masterClrMapping/>
-  </p:clrMapOvr>
-</p:notes>
-</file>
-
-<file path=ppt/notesSlides/notesSlide7.xml><?xml version="1.0" encoding="utf-8"?>
-<p:notes xmlns:a="http://schemas.openxmlformats.org/drawingml/2006/main" xmlns:r="http://schemas.openxmlformats.org/officeDocument/2006/relationships" xmlns:mc="http://schemas.openxmlformats.org/markup-compatibility/2006" xmlns:mv="urn:schemas-microsoft-com:mac:vml" xmlns:p="http://schemas.openxmlformats.org/presentationml/2006/main" xmlns:c="http://schemas.openxmlformats.org/drawingml/2006/chart" xmlns:dgm="http://schemas.openxmlformats.org/drawingml/2006/diagram" xmlns:o="urn:schemas-microsoft-com:office:office" xmlns:v="urn:schemas-microsoft-com:vml" xmlns:pvml="urn:schemas-microsoft-com:office:powerpoint" xmlns:com="http://schemas.openxmlformats.org/drawingml/2006/compatibility" xmlns:p14="http://schemas.microsoft.com/office/powerpoint/2010/main" xmlns:p15="http://schemas.microsoft.com/office/powerpoint/2012/main" xmlns:ahyp="http://schemas.microsoft.com/office/drawing/2018/hyperlinkcolor" showMasterPhAnim="0" showMasterSp="0">
-  <p:cSld>
-    <p:spTree>
-      <p:nvGrpSpPr>
-        <p:cNvPr id="178" name="Shape 178"/>
-        <p:cNvGrpSpPr/>
-        <p:nvPr/>
-      </p:nvGrpSpPr>
-      <p:grpSpPr>
-        <a:xfrm>
-          <a:off x="0" y="0"/>
-          <a:ext cx="0" cy="0"/>
-          <a:chOff x="0" y="0"/>
-          <a:chExt cx="0" cy="0"/>
-        </a:xfrm>
-      </p:grpSpPr>
-      <p:sp>
-        <p:nvSpPr>
-          <p:cNvPr id="179" name="Google Shape;179;g9c4d0a9bcd_0_0:notes"/>
-          <p:cNvSpPr/>
-          <p:nvPr>
-            <p:ph idx="2" type="sldImg"/>
-          </p:nvPr>
-        </p:nvSpPr>
-        <p:spPr>
-          <a:xfrm>
-            <a:off x="381300" y="685800"/>
-            <a:ext cx="6096000" cy="3429000"/>
-          </a:xfrm>
-          <a:custGeom>
-            <a:rect b="b" l="l" r="r" t="t"/>
-            <a:pathLst>
-              <a:path extrusionOk="0" h="120000" w="120000">
-                <a:moveTo>
-                  <a:pt x="0" y="0"/>
-                </a:moveTo>
-                <a:lnTo>
-                  <a:pt x="120000" y="0"/>
-                </a:lnTo>
-                <a:lnTo>
-                  <a:pt x="120000" y="120000"/>
-                </a:lnTo>
-                <a:lnTo>
-                  <a:pt x="0" y="120000"/>
-                </a:lnTo>
-                <a:close/>
-              </a:path>
-            </a:pathLst>
-          </a:custGeom>
-        </p:spPr>
-      </p:sp>
-      <p:sp>
-        <p:nvSpPr>
-          <p:cNvPr id="180" name="Google Shape;180;g9c4d0a9bcd_0_0:notes"/>
           <p:cNvSpPr txBox="1"/>
           <p:nvPr>
             <p:ph idx="1" type="body"/>
@@ -10544,7 +10444,8 @@
               <a:buNone/>
             </a:pPr>
             <a:r>
-              <a:t/>
+              <a:rPr lang="en"/>
+              <a:t>The test and training data were imbalanced with many more negatives than positives, so the data was selected so that a 50-50 mix was represented and stratified.</a:t>
             </a:r>
             <a:endParaRPr/>
           </a:p>
@@ -10643,357 +10544,20 @@
                 <a:spcPts val="0"/>
               </a:spcBef>
               <a:spcAft>
-                <a:spcPts val="1600"/>
+                <a:spcPts val="0"/>
               </a:spcAft>
               <a:buNone/>
             </a:pPr>
             <a:r>
               <a:rPr lang="en"/>
-              <a:t>Quartz -  average of 66.5% (+/- 1.5%) accuracy was achieved.</a:t>
+              <a:t>Despite trying different model layerings, learning rates, and various kernel sizes, no more</a:t>
             </a:r>
             <a:br>
               <a:rPr lang="en"/>
             </a:br>
             <a:r>
               <a:rPr lang="en"/>
-              <a:t>Magnetite - an average 71.5% (+/- 9.71%) accuracy was achieved.</a:t>
-            </a:r>
-            <a:br>
-              <a:rPr lang="en"/>
-            </a:br>
-            <a:br>
-              <a:rPr lang="en"/>
-            </a:br>
-            <a:endParaRPr/>
-          </a:p>
-        </p:txBody>
-      </p:sp>
-      <p:pic>
-        <p:nvPicPr>
-          <p:cNvPr id="171" name="Google Shape;171;p18"/>
-          <p:cNvPicPr preferRelativeResize="0"/>
-          <p:nvPr/>
-        </p:nvPicPr>
-        <p:blipFill>
-          <a:blip r:embed="rId3">
-            <a:alphaModFix/>
-          </a:blip>
-          <a:stretch>
-            <a:fillRect/>
-          </a:stretch>
-        </p:blipFill>
-        <p:spPr>
-          <a:xfrm>
-            <a:off x="688470" y="3434275"/>
-            <a:ext cx="1455825" cy="1450025"/>
-          </a:xfrm>
-          <a:prstGeom prst="rect">
-            <a:avLst/>
-          </a:prstGeom>
-          <a:noFill/>
-          <a:ln>
-            <a:noFill/>
-          </a:ln>
-        </p:spPr>
-      </p:pic>
-      <p:pic>
-        <p:nvPicPr>
-          <p:cNvPr id="172" name="Google Shape;172;p18"/>
-          <p:cNvPicPr preferRelativeResize="0"/>
-          <p:nvPr/>
-        </p:nvPicPr>
-        <p:blipFill>
-          <a:blip r:embed="rId4">
-            <a:alphaModFix/>
-          </a:blip>
-          <a:stretch>
-            <a:fillRect/>
-          </a:stretch>
-        </p:blipFill>
-        <p:spPr>
-          <a:xfrm>
-            <a:off x="2228825" y="3496250"/>
-            <a:ext cx="1814950" cy="1262800"/>
-          </a:xfrm>
-          <a:prstGeom prst="rect">
-            <a:avLst/>
-          </a:prstGeom>
-          <a:noFill/>
-          <a:ln>
-            <a:noFill/>
-          </a:ln>
-        </p:spPr>
-      </p:pic>
-      <p:sp>
-        <p:nvSpPr>
-          <p:cNvPr id="173" name="Google Shape;173;p18"/>
-          <p:cNvSpPr txBox="1"/>
-          <p:nvPr/>
-        </p:nvSpPr>
-        <p:spPr>
-          <a:xfrm>
-            <a:off x="973075" y="1968000"/>
-            <a:ext cx="3504900" cy="1323900"/>
-          </a:xfrm>
-          <a:prstGeom prst="rect">
-            <a:avLst/>
-          </a:prstGeom>
-          <a:noFill/>
-          <a:ln>
-            <a:noFill/>
-          </a:ln>
-        </p:spPr>
-        <p:txBody>
-          <a:bodyPr anchorCtr="0" anchor="t" bIns="91425" lIns="91425" spcFirstLastPara="1" rIns="91425" wrap="square" tIns="91425">
-            <a:noAutofit/>
-          </a:bodyPr>
-          <a:lstStyle/>
-          <a:p>
-            <a:pPr indent="0" lvl="0" marL="0" rtl="0" algn="l">
-              <a:spcBef>
-                <a:spcPts val="0"/>
-              </a:spcBef>
-              <a:spcAft>
-                <a:spcPts val="0"/>
-              </a:spcAft>
-              <a:buNone/>
-            </a:pPr>
-            <a:r>
-              <a:rPr lang="en">
-                <a:solidFill>
-                  <a:srgbClr val="FFFFFF"/>
-                </a:solidFill>
-                <a:latin typeface="Lato"/>
-                <a:ea typeface="Lato"/>
-                <a:cs typeface="Lato"/>
-                <a:sym typeface="Lato"/>
-              </a:rPr>
-              <a:t>By occluding parts of the image, we can show which neurons were the highest activated (darkest color) when the model was making its predictions.</a:t>
-            </a:r>
-            <a:endParaRPr>
-              <a:solidFill>
-                <a:srgbClr val="FFFFFF"/>
-              </a:solidFill>
-              <a:latin typeface="Lato"/>
-              <a:ea typeface="Lato"/>
-              <a:cs typeface="Lato"/>
-              <a:sym typeface="Lato"/>
-            </a:endParaRPr>
-          </a:p>
-        </p:txBody>
-      </p:sp>
-      <p:pic>
-        <p:nvPicPr>
-          <p:cNvPr id="174" name="Google Shape;174;p18"/>
-          <p:cNvPicPr preferRelativeResize="0"/>
-          <p:nvPr/>
-        </p:nvPicPr>
-        <p:blipFill>
-          <a:blip r:embed="rId5">
-            <a:alphaModFix/>
-          </a:blip>
-          <a:stretch>
-            <a:fillRect/>
-          </a:stretch>
-        </p:blipFill>
-        <p:spPr>
-          <a:xfrm>
-            <a:off x="4960045" y="1934900"/>
-            <a:ext cx="1488125" cy="1482200"/>
-          </a:xfrm>
-          <a:prstGeom prst="rect">
-            <a:avLst/>
-          </a:prstGeom>
-          <a:noFill/>
-          <a:ln>
-            <a:noFill/>
-          </a:ln>
-        </p:spPr>
-      </p:pic>
-      <p:pic>
-        <p:nvPicPr>
-          <p:cNvPr id="175" name="Google Shape;175;p18"/>
-          <p:cNvPicPr preferRelativeResize="0"/>
-          <p:nvPr/>
-        </p:nvPicPr>
-        <p:blipFill>
-          <a:blip r:embed="rId6">
-            <a:alphaModFix/>
-          </a:blip>
-          <a:stretch>
-            <a:fillRect/>
-          </a:stretch>
-        </p:blipFill>
-        <p:spPr>
-          <a:xfrm>
-            <a:off x="6584075" y="2014050"/>
-            <a:ext cx="1942858" cy="1323900"/>
-          </a:xfrm>
-          <a:prstGeom prst="rect">
-            <a:avLst/>
-          </a:prstGeom>
-          <a:noFill/>
-          <a:ln>
-            <a:noFill/>
-          </a:ln>
-        </p:spPr>
-      </p:pic>
-      <p:pic>
-        <p:nvPicPr>
-          <p:cNvPr id="176" name="Google Shape;176;p18"/>
-          <p:cNvPicPr preferRelativeResize="0"/>
-          <p:nvPr/>
-        </p:nvPicPr>
-        <p:blipFill>
-          <a:blip r:embed="rId7">
-            <a:alphaModFix/>
-          </a:blip>
-          <a:stretch>
-            <a:fillRect/>
-          </a:stretch>
-        </p:blipFill>
-        <p:spPr>
-          <a:xfrm>
-            <a:off x="6601713" y="3509363"/>
-            <a:ext cx="1907575" cy="1299852"/>
-          </a:xfrm>
-          <a:prstGeom prst="rect">
-            <a:avLst/>
-          </a:prstGeom>
-          <a:noFill/>
-          <a:ln>
-            <a:noFill/>
-          </a:ln>
-        </p:spPr>
-      </p:pic>
-      <p:pic>
-        <p:nvPicPr>
-          <p:cNvPr id="177" name="Google Shape;177;p18"/>
-          <p:cNvPicPr preferRelativeResize="0"/>
-          <p:nvPr/>
-        </p:nvPicPr>
-        <p:blipFill>
-          <a:blip r:embed="rId8">
-            <a:alphaModFix/>
-          </a:blip>
-          <a:stretch>
-            <a:fillRect/>
-          </a:stretch>
-        </p:blipFill>
-        <p:spPr>
-          <a:xfrm>
-            <a:off x="5004925" y="3496250"/>
-            <a:ext cx="1398375" cy="1392800"/>
-          </a:xfrm>
-          <a:prstGeom prst="rect">
-            <a:avLst/>
-          </a:prstGeom>
-          <a:noFill/>
-          <a:ln>
-            <a:noFill/>
-          </a:ln>
-        </p:spPr>
-      </p:pic>
-    </p:spTree>
-  </p:cSld>
-  <p:clrMapOvr>
-    <a:masterClrMapping/>
-  </p:clrMapOvr>
-</p:sld>
-</file>
-
-<file path=ppt/slides/slide7.xml><?xml version="1.0" encoding="utf-8"?>
-<p:sld xmlns:a="http://schemas.openxmlformats.org/drawingml/2006/main" xmlns:r="http://schemas.openxmlformats.org/officeDocument/2006/relationships" xmlns:mc="http://schemas.openxmlformats.org/markup-compatibility/2006" xmlns:mv="urn:schemas-microsoft-com:mac:vml" xmlns:p="http://schemas.openxmlformats.org/presentationml/2006/main" xmlns:c="http://schemas.openxmlformats.org/drawingml/2006/chart" xmlns:dgm="http://schemas.openxmlformats.org/drawingml/2006/diagram" xmlns:o="urn:schemas-microsoft-com:office:office" xmlns:v="urn:schemas-microsoft-com:vml" xmlns:pvml="urn:schemas-microsoft-com:office:powerpoint" xmlns:com="http://schemas.openxmlformats.org/drawingml/2006/compatibility" xmlns:p14="http://schemas.microsoft.com/office/powerpoint/2010/main" xmlns:p15="http://schemas.microsoft.com/office/powerpoint/2012/main" xmlns:ahyp="http://schemas.microsoft.com/office/drawing/2018/hyperlinkcolor">
-  <p:cSld>
-    <p:spTree>
-      <p:nvGrpSpPr>
-        <p:cNvPr id="181" name="Shape 181"/>
-        <p:cNvGrpSpPr/>
-        <p:nvPr/>
-      </p:nvGrpSpPr>
-      <p:grpSpPr>
-        <a:xfrm>
-          <a:off x="0" y="0"/>
-          <a:ext cx="0" cy="0"/>
-          <a:chOff x="0" y="0"/>
-          <a:chExt cx="0" cy="0"/>
-        </a:xfrm>
-      </p:grpSpPr>
-      <p:sp>
-        <p:nvSpPr>
-          <p:cNvPr id="182" name="Google Shape;182;p19"/>
-          <p:cNvSpPr txBox="1"/>
-          <p:nvPr>
-            <p:ph type="title"/>
-          </p:nvPr>
-        </p:nvSpPr>
-        <p:spPr>
-          <a:xfrm>
-            <a:off x="1297500" y="393750"/>
-            <a:ext cx="7038900" cy="914100"/>
-          </a:xfrm>
-          <a:prstGeom prst="rect">
-            <a:avLst/>
-          </a:prstGeom>
-        </p:spPr>
-        <p:txBody>
-          <a:bodyPr anchorCtr="0" anchor="t" bIns="91425" lIns="91425" spcFirstLastPara="1" rIns="91425" wrap="square" tIns="91425">
-            <a:noAutofit/>
-          </a:bodyPr>
-          <a:lstStyle/>
-          <a:p>
-            <a:pPr indent="0" lvl="0" marL="0" rtl="0" algn="l">
-              <a:spcBef>
-                <a:spcPts val="0"/>
-              </a:spcBef>
-              <a:spcAft>
-                <a:spcPts val="0"/>
-              </a:spcAft>
-              <a:buNone/>
-            </a:pPr>
-            <a:r>
-              <a:rPr lang="en"/>
-              <a:t>Follow up:</a:t>
-            </a:r>
-            <a:endParaRPr/>
-          </a:p>
-        </p:txBody>
-      </p:sp>
-      <p:sp>
-        <p:nvSpPr>
-          <p:cNvPr id="183" name="Google Shape;183;p19"/>
-          <p:cNvSpPr txBox="1"/>
-          <p:nvPr>
-            <p:ph idx="1" type="body"/>
-          </p:nvPr>
-        </p:nvSpPr>
-        <p:spPr>
-          <a:xfrm>
-            <a:off x="1297500" y="1567550"/>
-            <a:ext cx="7038900" cy="2911200"/>
-          </a:xfrm>
-          <a:prstGeom prst="rect">
-            <a:avLst/>
-          </a:prstGeom>
-        </p:spPr>
-        <p:txBody>
-          <a:bodyPr anchorCtr="0" anchor="t" bIns="91425" lIns="91425" spcFirstLastPara="1" rIns="91425" wrap="square" tIns="91425">
-            <a:noAutofit/>
-          </a:bodyPr>
-          <a:lstStyle/>
-          <a:p>
-            <a:pPr indent="0" lvl="0" marL="0" rtl="0" algn="l">
-              <a:spcBef>
-                <a:spcPts val="0"/>
-              </a:spcBef>
-              <a:spcAft>
-                <a:spcPts val="0"/>
-              </a:spcAft>
-              <a:buNone/>
-            </a:pPr>
-            <a:r>
-              <a:rPr lang="en"/>
-              <a:t>Experimentation must be done in order to increase the accuracy of the model predictions.</a:t>
+              <a:t>Than 50% accuracy was achieved. Possible reasons include:</a:t>
             </a:r>
             <a:endParaRPr/>
           </a:p>
@@ -11003,14 +10567,49 @@
                 <a:spcPts val="1600"/>
               </a:spcBef>
               <a:spcAft>
-                <a:spcPts val="1600"/>
+                <a:spcPts val="0"/>
               </a:spcAft>
               <a:buNone/>
             </a:pPr>
             <a:r>
               <a:rPr lang="en"/>
-              <a:t>This can include increasing the size of the images, adjusting learning parameters, and using alternate optimizer algorithms.</a:t>
+              <a:t>- Not enough information in the photo to be able to determine if a mineral is present or not</a:t>
             </a:r>
+            <a:endParaRPr/>
+          </a:p>
+          <a:p>
+            <a:pPr indent="0" lvl="0" marL="0" rtl="0" algn="l">
+              <a:spcBef>
+                <a:spcPts val="1600"/>
+              </a:spcBef>
+              <a:spcAft>
+                <a:spcPts val="0"/>
+              </a:spcAft>
+              <a:buNone/>
+            </a:pPr>
+            <a:r>
+              <a:rPr lang="en"/>
+              <a:t>- The distance from the surface of the picture was arbitrarily selected at “half way” that is, 7 out of a possible 14 distances. A closer picture may have contained more revealing information to categorize the images</a:t>
+            </a:r>
+            <a:endParaRPr/>
+          </a:p>
+          <a:p>
+            <a:pPr indent="0" lvl="0" marL="0" rtl="0" algn="l">
+              <a:spcBef>
+                <a:spcPts val="1600"/>
+              </a:spcBef>
+              <a:spcAft>
+                <a:spcPts val="1600"/>
+              </a:spcAft>
+              <a:buNone/>
+            </a:pPr>
+            <a:r>
+              <a:rPr lang="en"/>
+              <a:t>- Mineral detection is usually done using light frequencies beyond the visual spectrum, perhaps using more than visible light would have revealed features that indicated mineral presence, however, this would increase the training and complexity of the model. </a:t>
+            </a:r>
+            <a:br>
+              <a:rPr lang="en"/>
+            </a:br>
             <a:endParaRPr/>
           </a:p>
         </p:txBody>
